--- a/presentations/2012-May WGM Tutorials/201205 WGM Introduction to FHIR.pptx
+++ b/presentations/2012-May WGM Tutorials/201205 WGM Introduction to FHIR.pptx
@@ -5,7 +5,7 @@
     <p:sldMasterId id="2147483744" r:id="rId2"/>
   </p:sldMasterIdLst>
   <p:notesMasterIdLst>
-    <p:notesMasterId r:id="rId74"/>
+    <p:notesMasterId r:id="rId75"/>
   </p:notesMasterIdLst>
   <p:sldIdLst>
     <p:sldId id="270" r:id="rId3"/>
@@ -78,7 +78,8 @@
     <p:sldId id="350" r:id="rId70"/>
     <p:sldId id="351" r:id="rId71"/>
     <p:sldId id="352" r:id="rId72"/>
-    <p:sldId id="353" r:id="rId73"/>
+    <p:sldId id="354" r:id="rId73"/>
+    <p:sldId id="353" r:id="rId74"/>
   </p:sldIdLst>
   <p:sldSz cx="9144000" cy="6858000" type="screen4x3"/>
   <p:notesSz cx="6858000" cy="9144000"/>
@@ -9693,15 +9694,7 @@
             <a:pPr lvl="1"/>
             <a:r>
               <a:rPr lang="en-US" dirty="0" smtClean="0"/>
-              <a:t>Code, code system, code system name, code system version, value set id, value set </a:t>
-            </a:r>
-            <a:r>
-              <a:rPr lang="en-US" dirty="0" smtClean="0"/>
-              <a:t>version, </a:t>
-            </a:r>
-            <a:r>
-              <a:rPr lang="en-US" dirty="0" smtClean="0"/>
-              <a:t>coding rationale, updateMode, </a:t>
+              <a:t>Code, code system, code system name, code system version, value set id, value set version, coding rationale, updateMode, </a:t>
             </a:r>
             <a:r>
               <a:rPr lang="en-US" dirty="0" err="1" smtClean="0"/>
@@ -13526,7 +13519,6 @@
               <a:rPr lang="en-US" dirty="0" smtClean="0"/>
               <a:t>FHIR is balloted as a single spec like v2</a:t>
             </a:r>
-            <a:endParaRPr lang="en-US" dirty="0" smtClean="0"/>
           </a:p>
           <a:p>
             <a:r>
@@ -14154,15 +14146,7 @@
           <a:p>
             <a:r>
               <a:rPr lang="en-US" dirty="0" smtClean="0"/>
-              <a:t>Consider </a:t>
-            </a:r>
-            <a:r>
-              <a:rPr lang="en-US" dirty="0" smtClean="0"/>
-              <a:t>drafting </a:t>
-            </a:r>
-            <a:r>
-              <a:rPr lang="en-US" dirty="0" smtClean="0"/>
-              <a:t>a PSS for your committee to start creating FHIR resources</a:t>
+              <a:t>Consider drafting a PSS for your committee to start creating FHIR resources</a:t>
             </a:r>
             <a:endParaRPr lang="en-CA" dirty="0"/>
           </a:p>
@@ -14189,6 +14173,104 @@
 </file>
 
 <file path=ppt/slides/slide71.xml><?xml version="1.0" encoding="utf-8"?>
+<p:sld xmlns:a="http://schemas.openxmlformats.org/drawingml/2006/main" xmlns:r="http://schemas.openxmlformats.org/officeDocument/2006/relationships" xmlns:p="http://schemas.openxmlformats.org/presentationml/2006/main">
+  <p:cSld>
+    <p:spTree>
+      <p:nvGrpSpPr>
+        <p:cNvPr id="1" name=""/>
+        <p:cNvGrpSpPr/>
+        <p:nvPr/>
+      </p:nvGrpSpPr>
+      <p:grpSpPr>
+        <a:xfrm>
+          <a:off x="0" y="0"/>
+          <a:ext cx="0" cy="0"/>
+          <a:chOff x="0" y="0"/>
+          <a:chExt cx="0" cy="0"/>
+        </a:xfrm>
+      </p:grpSpPr>
+      <p:sp>
+        <p:nvSpPr>
+          <p:cNvPr id="2" name="Title 1"/>
+          <p:cNvSpPr>
+            <a:spLocks noGrp="1"/>
+          </p:cNvSpPr>
+          <p:nvPr>
+            <p:ph type="title"/>
+          </p:nvPr>
+        </p:nvSpPr>
+        <p:spPr/>
+        <p:txBody>
+          <a:bodyPr/>
+          <a:lstStyle/>
+          <a:p>
+            <a:r>
+              <a:rPr lang="en-US" dirty="0" smtClean="0"/>
+              <a:t>FHIR this week</a:t>
+            </a:r>
+            <a:endParaRPr lang="en-CA" dirty="0"/>
+          </a:p>
+        </p:txBody>
+      </p:sp>
+      <p:sp>
+        <p:nvSpPr>
+          <p:cNvPr id="3" name="Content Placeholder 2"/>
+          <p:cNvSpPr>
+            <a:spLocks noGrp="1"/>
+          </p:cNvSpPr>
+          <p:nvPr>
+            <p:ph idx="1"/>
+          </p:nvPr>
+        </p:nvSpPr>
+        <p:spPr/>
+        <p:txBody>
+          <a:bodyPr/>
+          <a:lstStyle/>
+          <a:p>
+            <a:r>
+              <a:rPr lang="en-US" dirty="0" smtClean="0"/>
+              <a:t>Several quarters scheduled for FHIR-related topics, including:</a:t>
+            </a:r>
+          </a:p>
+          <a:p>
+            <a:pPr lvl="1"/>
+            <a:r>
+              <a:rPr lang="en-US" dirty="0" smtClean="0"/>
+              <a:t>ITS: XML, JSON, REST -  Wed Q1-Q2</a:t>
+            </a:r>
+          </a:p>
+          <a:p>
+            <a:pPr lvl="1"/>
+            <a:r>
+              <a:rPr lang="en-US" dirty="0" smtClean="0"/>
+              <a:t>RIMBAA: - Architecture of resources, example implementations  Thurs Q1</a:t>
+            </a:r>
+            <a:endParaRPr lang="en-US" dirty="0" smtClean="0"/>
+          </a:p>
+          <a:p>
+            <a:pPr lvl="1"/>
+            <a:r>
+              <a:rPr lang="en-CA" dirty="0" smtClean="0"/>
+              <a:t>Others TBA</a:t>
+            </a:r>
+            <a:endParaRPr lang="en-CA" dirty="0"/>
+          </a:p>
+        </p:txBody>
+      </p:sp>
+    </p:spTree>
+    <p:extLst>
+      <p:ext uri="{BB962C8B-B14F-4D97-AF65-F5344CB8AC3E}">
+        <p14:creationId xmlns:p14="http://schemas.microsoft.com/office/powerpoint/2010/main" val="1746949396"/>
+      </p:ext>
+    </p:extLst>
+  </p:cSld>
+  <p:clrMapOvr>
+    <a:masterClrMapping/>
+  </p:clrMapOvr>
+</p:sld>
+</file>
+
+<file path=ppt/slides/slide72.xml><?xml version="1.0" encoding="utf-8"?>
 <p:sld xmlns:a="http://schemas.openxmlformats.org/drawingml/2006/main" xmlns:r="http://schemas.openxmlformats.org/officeDocument/2006/relationships" xmlns:p="http://schemas.openxmlformats.org/presentationml/2006/main">
   <p:cSld>
     <p:spTree>

--- a/presentations/2012-May WGM Tutorials/201205 WGM Introduction to FHIR.pptx
+++ b/presentations/2012-May WGM Tutorials/201205 WGM Introduction to FHIR.pptx
@@ -8343,8 +8343,16 @@
           <a:p>
             <a:pPr lvl="1"/>
             <a:r>
-              <a:rPr lang="en-US" dirty="0" err="1" smtClean="0"/>
-              <a:t>Todo</a:t>
+              <a:rPr lang="en-US"/>
+              <a:t>Dutch – </a:t>
+            </a:r>
+            <a:r>
+              <a:rPr lang="en-US"/>
+              <a:t>Healthcare </a:t>
+            </a:r>
+            <a:r>
+              <a:rPr lang="en-US" smtClean="0"/>
+              <a:t>Applications</a:t>
             </a:r>
             <a:endParaRPr lang="en-US" dirty="0" smtClean="0"/>
           </a:p>
@@ -14245,7 +14253,6 @@
               <a:rPr lang="en-US" dirty="0" smtClean="0"/>
               <a:t>RIMBAA: - Architecture of resources, example implementations  Thurs Q1</a:t>
             </a:r>
-            <a:endParaRPr lang="en-US" dirty="0" smtClean="0"/>
           </a:p>
           <a:p>
             <a:pPr lvl="1"/>

--- a/presentations/2012-May WGM Tutorials/201205 WGM Introduction to FHIR.pptx
+++ b/presentations/2012-May WGM Tutorials/201205 WGM Introduction to FHIR.pptx
@@ -288,7 +288,7 @@
             <a:fld id="{5FA7A704-9F1C-4FD3-85D1-57AF2D7FD0E8}" type="datetimeFigureOut">
               <a:rPr lang="en-US" smtClean="0"/>
               <a:pPr/>
-              <a:t>4/30/2012</a:t>
+              <a:t>5/13/2012</a:t>
             </a:fld>
             <a:endParaRPr lang="en-US" dirty="0"/>
           </a:p>
@@ -694,7 +694,7 @@
             <a:fld id="{D80A4771-C6EF-4B99-81F4-D30BE4E017A0}" type="datetimeFigureOut">
               <a:rPr lang="en-US" smtClean="0"/>
               <a:pPr/>
-              <a:t>4/30/2012</a:t>
+              <a:t>5/13/2012</a:t>
             </a:fld>
             <a:endParaRPr lang="en-US"/>
           </a:p>
@@ -1009,7 +1009,7 @@
             <a:fld id="{D80A4771-C6EF-4B99-81F4-D30BE4E017A0}" type="datetimeFigureOut">
               <a:rPr lang="en-US" smtClean="0"/>
               <a:pPr/>
-              <a:t>4/30/2012</a:t>
+              <a:t>5/13/2012</a:t>
             </a:fld>
             <a:endParaRPr lang="en-US"/>
           </a:p>
@@ -1196,7 +1196,7 @@
             <a:fld id="{D80A4771-C6EF-4B99-81F4-D30BE4E017A0}" type="datetimeFigureOut">
               <a:rPr lang="en-US" smtClean="0"/>
               <a:pPr/>
-              <a:t>4/30/2012</a:t>
+              <a:t>5/13/2012</a:t>
             </a:fld>
             <a:endParaRPr lang="en-US"/>
           </a:p>
@@ -1394,7 +1394,7 @@
             <a:fld id="{D80A4771-C6EF-4B99-81F4-D30BE4E017A0}" type="datetimeFigureOut">
               <a:rPr lang="en-US" smtClean="0"/>
               <a:pPr/>
-              <a:t>4/30/2012</a:t>
+              <a:t>5/13/2012</a:t>
             </a:fld>
             <a:endParaRPr lang="en-US"/>
           </a:p>
@@ -1674,7 +1674,7 @@
             <a:fld id="{D80A4771-C6EF-4B99-81F4-D30BE4E017A0}" type="datetimeFigureOut">
               <a:rPr lang="en-US" smtClean="0"/>
               <a:pPr/>
-              <a:t>4/30/2012</a:t>
+              <a:t>5/13/2012</a:t>
             </a:fld>
             <a:endParaRPr lang="en-US"/>
           </a:p>
@@ -2210,7 +2210,7 @@
             <a:fld id="{D80A4771-C6EF-4B99-81F4-D30BE4E017A0}" type="datetimeFigureOut">
               <a:rPr lang="en-US" smtClean="0"/>
               <a:pPr/>
-              <a:t>4/30/2012</a:t>
+              <a:t>5/13/2012</a:t>
             </a:fld>
             <a:endParaRPr lang="en-US"/>
           </a:p>
@@ -2849,7 +2849,7 @@
             <a:fld id="{D80A4771-C6EF-4B99-81F4-D30BE4E017A0}" type="datetimeFigureOut">
               <a:rPr lang="en-US" smtClean="0"/>
               <a:pPr/>
-              <a:t>4/30/2012</a:t>
+              <a:t>5/13/2012</a:t>
             </a:fld>
             <a:endParaRPr lang="en-US"/>
           </a:p>
@@ -2977,7 +2977,7 @@
             <a:fld id="{D80A4771-C6EF-4B99-81F4-D30BE4E017A0}" type="datetimeFigureOut">
               <a:rPr lang="en-US" smtClean="0"/>
               <a:pPr/>
-              <a:t>4/30/2012</a:t>
+              <a:t>5/13/2012</a:t>
             </a:fld>
             <a:endParaRPr lang="en-US"/>
           </a:p>
@@ -3123,7 +3123,7 @@
             <a:fld id="{D80A4771-C6EF-4B99-81F4-D30BE4E017A0}" type="datetimeFigureOut">
               <a:rPr lang="en-US" smtClean="0"/>
               <a:pPr/>
-              <a:t>4/30/2012</a:t>
+              <a:t>5/13/2012</a:t>
             </a:fld>
             <a:endParaRPr lang="en-US"/>
           </a:p>
@@ -3470,7 +3470,7 @@
             <a:fld id="{D80A4771-C6EF-4B99-81F4-D30BE4E017A0}" type="datetimeFigureOut">
               <a:rPr lang="en-US" smtClean="0"/>
               <a:pPr/>
-              <a:t>4/30/2012</a:t>
+              <a:t>5/13/2012</a:t>
             </a:fld>
             <a:endParaRPr lang="en-US"/>
           </a:p>
@@ -3568,7 +3568,7 @@
             <a:fld id="{D80A4771-C6EF-4B99-81F4-D30BE4E017A0}" type="datetimeFigureOut">
               <a:rPr lang="en-US" smtClean="0"/>
               <a:pPr/>
-              <a:t>4/30/2012</a:t>
+              <a:t>5/13/2012</a:t>
             </a:fld>
             <a:endParaRPr lang="en-US"/>
           </a:p>
@@ -3994,7 +3994,7 @@
             <a:fld id="{D80A4771-C6EF-4B99-81F4-D30BE4E017A0}" type="datetimeFigureOut">
               <a:rPr lang="en-US" smtClean="0"/>
               <a:pPr algn="r"/>
-              <a:t>4/30/2012</a:t>
+              <a:t>5/13/2012</a:t>
             </a:fld>
             <a:endParaRPr lang="en-US" sz="1200">
               <a:solidFill>
@@ -5141,7 +5141,7 @@
         <p:spPr/>
         <p:txBody>
           <a:bodyPr>
-            <a:normAutofit fontScale="85000" lnSpcReduction="10000"/>
+            <a:normAutofit fontScale="77500" lnSpcReduction="20000"/>
           </a:bodyPr>
           <a:lstStyle/>
           <a:p>
@@ -5432,7 +5432,7 @@
         <p:spPr/>
         <p:txBody>
           <a:bodyPr>
-            <a:normAutofit/>
+            <a:normAutofit fontScale="85000" lnSpcReduction="10000"/>
           </a:bodyPr>
           <a:lstStyle/>
           <a:p>
@@ -5706,7 +5706,7 @@
         <p:spPr/>
         <p:txBody>
           <a:bodyPr>
-            <a:normAutofit fontScale="92500"/>
+            <a:normAutofit fontScale="85000" lnSpcReduction="10000"/>
           </a:bodyPr>
           <a:lstStyle/>
           <a:p>
@@ -6112,7 +6112,7 @@
         <p:spPr/>
         <p:txBody>
           <a:bodyPr>
-            <a:normAutofit fontScale="85000" lnSpcReduction="10000"/>
+            <a:normAutofit fontScale="77500" lnSpcReduction="20000"/>
           </a:bodyPr>
           <a:lstStyle/>
           <a:p>
@@ -7582,6 +7582,12 @@
               <a:rPr lang="en-US" baseline="0" dirty="0" smtClean="0"/>
               <a:t>esources</a:t>
             </a:r>
+          </a:p>
+          <a:p>
+            <a:r>
+              <a:rPr lang="en-US" dirty="0" smtClean="0"/>
+              <a:t>Pronounced “FIRE”</a:t>
+            </a:r>
             <a:endParaRPr lang="en-US" dirty="0" smtClean="0"/>
           </a:p>
           <a:p>
@@ -7731,7 +7737,7 @@
         <p:spPr/>
         <p:txBody>
           <a:bodyPr>
-            <a:normAutofit/>
+            <a:normAutofit fontScale="92500"/>
           </a:bodyPr>
           <a:lstStyle/>
           <a:p>
@@ -8310,70 +8316,136 @@
         </p:spPr>
         <p:txBody>
           <a:bodyPr>
-            <a:normAutofit/>
+            <a:noAutofit/>
           </a:bodyPr>
           <a:lstStyle/>
           <a:p>
             <a:r>
-              <a:rPr lang="en-US" dirty="0" smtClean="0"/>
+              <a:rPr lang="en-US" sz="2400" dirty="0" smtClean="0"/>
               <a:t>Grahame Grieve</a:t>
             </a:r>
           </a:p>
           <a:p>
             <a:pPr lvl="1"/>
             <a:r>
-              <a:rPr lang="en-US" b="0" dirty="0" smtClean="0"/>
-              <a:t>Australian, Health Interoperability – v2, v3, CDA, etc. Tools, Products, Specifications, Governance… </a:t>
-            </a:r>
-            <a:br>
-              <a:rPr lang="en-US" b="0" dirty="0" smtClean="0"/>
-            </a:br>
-            <a:r>
-              <a:rPr lang="en-US" b="0" dirty="0" smtClean="0"/>
-              <a:t>http://www.healthintersections.com.au</a:t>
+              <a:rPr lang="en-US" sz="2000" b="0" dirty="0" smtClean="0"/>
+              <a:t>Australian, </a:t>
+            </a:r>
+            <a:r>
+              <a:rPr lang="en-US" sz="2000" b="0" dirty="0" smtClean="0"/>
+              <a:t>health interoperability </a:t>
+            </a:r>
+            <a:r>
+              <a:rPr lang="en-US" sz="2000" b="0" dirty="0" smtClean="0"/>
+              <a:t>– v2, v3, CDA, etc. </a:t>
+            </a:r>
+            <a:r>
+              <a:rPr lang="en-US" sz="2000" b="0" dirty="0" smtClean="0"/>
+              <a:t>tools</a:t>
+            </a:r>
+            <a:r>
+              <a:rPr lang="en-US" sz="2000" b="0" dirty="0" smtClean="0"/>
+              <a:t>, </a:t>
+            </a:r>
+            <a:r>
+              <a:rPr lang="en-US" sz="2000" b="0" dirty="0" smtClean="0"/>
+              <a:t>products</a:t>
+            </a:r>
+            <a:r>
+              <a:rPr lang="en-US" sz="2000" b="0" dirty="0" smtClean="0"/>
+              <a:t>, </a:t>
+            </a:r>
+            <a:r>
+              <a:rPr lang="en-US" sz="2000" b="0" dirty="0" smtClean="0"/>
+              <a:t>specifications</a:t>
+            </a:r>
+            <a:r>
+              <a:rPr lang="en-US" sz="2000" b="0" dirty="0" smtClean="0"/>
+              <a:t>, </a:t>
+            </a:r>
+            <a:r>
+              <a:rPr lang="en-US" sz="2000" b="0" dirty="0" smtClean="0"/>
+              <a:t>governance</a:t>
+            </a:r>
+            <a:r>
+              <a:rPr lang="en-US" sz="2000" b="0" dirty="0" smtClean="0"/>
+              <a:t>… </a:t>
+            </a:r>
+            <a:r>
+              <a:rPr lang="en-US" sz="2000" b="0" dirty="0" smtClean="0"/>
+              <a:t>http</a:t>
+            </a:r>
+            <a:r>
+              <a:rPr lang="en-US" sz="2000" b="0" dirty="0" smtClean="0"/>
+              <a:t>://www.healthintersections.com.au</a:t>
             </a:r>
           </a:p>
           <a:p>
             <a:pPr lvl="0"/>
             <a:r>
-              <a:rPr lang="en-US" dirty="0" smtClean="0"/>
+              <a:rPr lang="en-US" sz="2400" dirty="0" smtClean="0"/>
               <a:t>Ewout Kramer</a:t>
             </a:r>
           </a:p>
           <a:p>
             <a:pPr lvl="1"/>
             <a:r>
-              <a:rPr lang="en-US"/>
-              <a:t>Dutch – </a:t>
-            </a:r>
-            <a:r>
-              <a:rPr lang="en-US"/>
-              <a:t>Healthcare </a:t>
-            </a:r>
-            <a:r>
-              <a:rPr lang="en-US" smtClean="0"/>
-              <a:t>Applications</a:t>
-            </a:r>
-            <a:endParaRPr lang="en-US" dirty="0" smtClean="0"/>
+              <a:rPr lang="en-CA" sz="2000" dirty="0" smtClean="0"/>
+              <a:t>Chief architect &amp; Manager R&amp;D Furore</a:t>
+            </a:r>
+            <a:endParaRPr lang="en-CA" sz="2000" dirty="0"/>
+          </a:p>
+          <a:p>
+            <a:pPr lvl="1"/>
+            <a:r>
+              <a:rPr lang="en-CA" sz="2000" dirty="0" smtClean="0"/>
+              <a:t>Dutch</a:t>
+            </a:r>
+            <a:r>
+              <a:rPr lang="en-CA" sz="2000" dirty="0"/>
+              <a:t>, architect </a:t>
+            </a:r>
+            <a:r>
+              <a:rPr lang="en-CA" sz="2000" dirty="0" smtClean="0"/>
+              <a:t>in healthcare, messaging, data modeling, software development</a:t>
+            </a:r>
+            <a:r>
+              <a:rPr lang="en-CA" sz="2000" dirty="0"/>
+              <a:t> </a:t>
+            </a:r>
+            <a:r>
+              <a:rPr lang="en-CA" sz="2000" dirty="0" smtClean="0"/>
+              <a:t>  http</a:t>
+            </a:r>
+            <a:r>
+              <a:rPr lang="en-CA" sz="2000" dirty="0"/>
+              <a:t>://www.furore.com</a:t>
+            </a:r>
+            <a:endParaRPr lang="en-US" sz="2000" dirty="0" smtClean="0"/>
           </a:p>
           <a:p>
             <a:pPr lvl="0"/>
             <a:r>
-              <a:rPr lang="en-US" dirty="0" smtClean="0"/>
+              <a:rPr lang="en-US" sz="2400" dirty="0" smtClean="0"/>
               <a:t>Lloyd McKenzie</a:t>
             </a:r>
           </a:p>
           <a:p>
             <a:pPr lvl="1"/>
             <a:r>
-              <a:rPr lang="en-US" dirty="0" smtClean="0"/>
-              <a:t>Canadian, data modeling, terminology, tooling, conformance, etc.</a:t>
-            </a:r>
+              <a:rPr lang="en-US" sz="2000" dirty="0" smtClean="0"/>
+              <a:t>Canadian, data modeling, terminology, tooling, </a:t>
+            </a:r>
+            <a:r>
+              <a:rPr lang="en-US" sz="2000" dirty="0" smtClean="0"/>
+              <a:t>conformance</a:t>
+            </a:r>
+            <a:endParaRPr lang="en-US" sz="2000" dirty="0" smtClean="0"/>
           </a:p>
           <a:p>
             <a:pPr lvl="1"/>
             <a:r>
-              <a:rPr lang="en-US" dirty="0" smtClean="0"/>
+              <a:rPr lang="en-US" sz="2000" dirty="0" smtClean="0"/>
               <a:t>http://www.gordonpointinformatics.com</a:t>
             </a:r>
           </a:p>
@@ -8925,7 +8997,7 @@
         <p:spPr/>
         <p:txBody>
           <a:bodyPr>
-            <a:normAutofit fontScale="92500"/>
+            <a:normAutofit fontScale="85000" lnSpcReduction="10000"/>
           </a:bodyPr>
           <a:lstStyle/>
           <a:p>
@@ -9689,7 +9761,7 @@
         <p:spPr/>
         <p:txBody>
           <a:bodyPr>
-            <a:normAutofit fontScale="85000" lnSpcReduction="10000"/>
+            <a:normAutofit fontScale="77500" lnSpcReduction="20000"/>
           </a:bodyPr>
           <a:lstStyle/>
           <a:p>
@@ -9857,7 +9929,7 @@
         <p:spPr/>
         <p:txBody>
           <a:bodyPr>
-            <a:normAutofit fontScale="85000" lnSpcReduction="10000"/>
+            <a:normAutofit fontScale="77500" lnSpcReduction="20000"/>
           </a:bodyPr>
           <a:lstStyle/>
           <a:p>
@@ -11919,7 +11991,7 @@
         <p:spPr/>
         <p:txBody>
           <a:bodyPr>
-            <a:normAutofit fontScale="85000" lnSpcReduction="10000"/>
+            <a:normAutofit fontScale="77500" lnSpcReduction="20000"/>
           </a:bodyPr>
           <a:lstStyle/>
           <a:p>
@@ -12139,7 +12211,7 @@
         <p:spPr/>
         <p:txBody>
           <a:bodyPr>
-            <a:normAutofit fontScale="92500"/>
+            <a:normAutofit fontScale="85000" lnSpcReduction="10000"/>
           </a:bodyPr>
           <a:lstStyle/>
           <a:p>
@@ -12262,7 +12334,7 @@
         <p:spPr/>
         <p:txBody>
           <a:bodyPr>
-            <a:normAutofit fontScale="85000" lnSpcReduction="10000"/>
+            <a:normAutofit fontScale="77500" lnSpcReduction="20000"/>
           </a:bodyPr>
           <a:lstStyle/>
           <a:p>
@@ -12516,7 +12588,7 @@
         <p:spPr/>
         <p:txBody>
           <a:bodyPr>
-            <a:normAutofit fontScale="62500" lnSpcReduction="20000"/>
+            <a:normAutofit fontScale="55000" lnSpcReduction="20000"/>
           </a:bodyPr>
           <a:lstStyle/>
           <a:p>
@@ -12667,7 +12739,7 @@
         <p:spPr/>
         <p:txBody>
           <a:bodyPr>
-            <a:normAutofit/>
+            <a:normAutofit fontScale="85000" lnSpcReduction="10000"/>
           </a:bodyPr>
           <a:lstStyle/>
           <a:p>
@@ -13231,7 +13303,7 @@
         <p:spPr/>
         <p:txBody>
           <a:bodyPr>
-            <a:normAutofit/>
+            <a:normAutofit fontScale="85000" lnSpcReduction="10000"/>
           </a:bodyPr>
           <a:lstStyle/>
           <a:p>
@@ -13498,7 +13570,7 @@
         <p:spPr/>
         <p:txBody>
           <a:bodyPr>
-            <a:normAutofit/>
+            <a:normAutofit fontScale="92500"/>
           </a:bodyPr>
           <a:lstStyle/>
           <a:p>
@@ -14487,7 +14559,7 @@
         <p:spPr/>
         <p:txBody>
           <a:bodyPr>
-            <a:normAutofit/>
+            <a:normAutofit fontScale="92500"/>
           </a:bodyPr>
           <a:lstStyle/>
           <a:p>
@@ -14647,7 +14719,7 @@
         <p:spPr/>
         <p:txBody>
           <a:bodyPr>
-            <a:normAutofit/>
+            <a:normAutofit fontScale="92500"/>
           </a:bodyPr>
           <a:lstStyle/>
           <a:p>

--- a/presentations/2012-May WGM Tutorials/201205 WGM Introduction to FHIR.pptx
+++ b/presentations/2012-May WGM Tutorials/201205 WGM Introduction to FHIR.pptx
@@ -5,7 +5,7 @@
     <p:sldMasterId id="2147483744" r:id="rId2"/>
   </p:sldMasterIdLst>
   <p:notesMasterIdLst>
-    <p:notesMasterId r:id="rId75"/>
+    <p:notesMasterId r:id="rId84"/>
   </p:notesMasterIdLst>
   <p:sldIdLst>
     <p:sldId id="270" r:id="rId3"/>
@@ -80,6 +80,15 @@
     <p:sldId id="352" r:id="rId72"/>
     <p:sldId id="354" r:id="rId73"/>
     <p:sldId id="353" r:id="rId74"/>
+    <p:sldId id="357" r:id="rId75"/>
+    <p:sldId id="359" r:id="rId76"/>
+    <p:sldId id="355" r:id="rId77"/>
+    <p:sldId id="356" r:id="rId78"/>
+    <p:sldId id="360" r:id="rId79"/>
+    <p:sldId id="361" r:id="rId80"/>
+    <p:sldId id="362" r:id="rId81"/>
+    <p:sldId id="363" r:id="rId82"/>
+    <p:sldId id="364" r:id="rId83"/>
   </p:sldIdLst>
   <p:sldSz cx="9144000" cy="6858000" type="screen4x3"/>
   <p:notesSz cx="6858000" cy="9144000"/>
@@ -7588,7 +7597,6 @@
               <a:rPr lang="en-US" dirty="0" smtClean="0"/>
               <a:t>Pronounced “FIRE”</a:t>
             </a:r>
-            <a:endParaRPr lang="en-US" dirty="0" smtClean="0"/>
           </a:p>
           <a:p>
             <a:r>
@@ -8329,55 +8337,7 @@
             <a:pPr lvl="1"/>
             <a:r>
               <a:rPr lang="en-US" sz="2000" b="0" dirty="0" smtClean="0"/>
-              <a:t>Australian, </a:t>
-            </a:r>
-            <a:r>
-              <a:rPr lang="en-US" sz="2000" b="0" dirty="0" smtClean="0"/>
-              <a:t>health interoperability </a:t>
-            </a:r>
-            <a:r>
-              <a:rPr lang="en-US" sz="2000" b="0" dirty="0" smtClean="0"/>
-              <a:t>– v2, v3, CDA, etc. </a:t>
-            </a:r>
-            <a:r>
-              <a:rPr lang="en-US" sz="2000" b="0" dirty="0" smtClean="0"/>
-              <a:t>tools</a:t>
-            </a:r>
-            <a:r>
-              <a:rPr lang="en-US" sz="2000" b="0" dirty="0" smtClean="0"/>
-              <a:t>, </a:t>
-            </a:r>
-            <a:r>
-              <a:rPr lang="en-US" sz="2000" b="0" dirty="0" smtClean="0"/>
-              <a:t>products</a:t>
-            </a:r>
-            <a:r>
-              <a:rPr lang="en-US" sz="2000" b="0" dirty="0" smtClean="0"/>
-              <a:t>, </a:t>
-            </a:r>
-            <a:r>
-              <a:rPr lang="en-US" sz="2000" b="0" dirty="0" smtClean="0"/>
-              <a:t>specifications</a:t>
-            </a:r>
-            <a:r>
-              <a:rPr lang="en-US" sz="2000" b="0" dirty="0" smtClean="0"/>
-              <a:t>, </a:t>
-            </a:r>
-            <a:r>
-              <a:rPr lang="en-US" sz="2000" b="0" dirty="0" smtClean="0"/>
-              <a:t>governance</a:t>
-            </a:r>
-            <a:r>
-              <a:rPr lang="en-US" sz="2000" b="0" dirty="0" smtClean="0"/>
-              <a:t>… </a:t>
-            </a:r>
-            <a:r>
-              <a:rPr lang="en-US" sz="2000" b="0" dirty="0" smtClean="0"/>
-              <a:t>http</a:t>
-            </a:r>
-            <a:r>
-              <a:rPr lang="en-US" sz="2000" b="0" dirty="0" smtClean="0"/>
-              <a:t>://www.healthintersections.com.au</a:t>
+              <a:t>Australian, health interoperability – v2, v3, CDA, etc. tools, products, specifications, governance… http://www.healthintersections.com.au</a:t>
             </a:r>
           </a:p>
           <a:p>
@@ -8434,13 +8394,8 @@
             <a:pPr lvl="1"/>
             <a:r>
               <a:rPr lang="en-US" sz="2000" dirty="0" smtClean="0"/>
-              <a:t>Canadian, data modeling, terminology, tooling, </a:t>
-            </a:r>
-            <a:r>
-              <a:rPr lang="en-US" sz="2000" dirty="0" smtClean="0"/>
-              <a:t>conformance</a:t>
-            </a:r>
-            <a:endParaRPr lang="en-US" sz="2000" dirty="0" smtClean="0"/>
+              <a:t>Canadian, data modeling, terminology, tooling, conformance</a:t>
+            </a:r>
           </a:p>
           <a:p>
             <a:pPr lvl="1"/>
@@ -8997,7 +8952,7 @@
         <p:spPr/>
         <p:txBody>
           <a:bodyPr>
-            <a:normAutofit fontScale="85000" lnSpcReduction="10000"/>
+            <a:normAutofit fontScale="77500" lnSpcReduction="20000"/>
           </a:bodyPr>
           <a:lstStyle/>
           <a:p>
@@ -9031,15 +8986,43 @@
             <a:pPr lvl="1"/>
             <a:r>
               <a:rPr lang="en-US" dirty="0" smtClean="0"/>
-              <a:t>Idea is the elements used by 80% of implementers are part of the base resource.</a:t>
+              <a:t>Idea is the elements used by 80% of implementers </a:t>
+            </a:r>
+            <a:r>
+              <a:rPr lang="en-US" dirty="0" smtClean="0"/>
+              <a:t>(in code of 80% of implementation solutions) are </a:t>
+            </a:r>
+            <a:r>
+              <a:rPr lang="en-US" dirty="0" smtClean="0"/>
+              <a:t>part of the base resource.</a:t>
             </a:r>
           </a:p>
           <a:p>
             <a:pPr lvl="2"/>
             <a:r>
               <a:rPr lang="en-US" dirty="0" smtClean="0"/>
-              <a:t>All other elements are handled as extensions</a:t>
-            </a:r>
+              <a:t>All other elements are handled as </a:t>
+            </a:r>
+            <a:r>
+              <a:rPr lang="en-US" dirty="0" smtClean="0"/>
+              <a:t>extensions</a:t>
+            </a:r>
+          </a:p>
+          <a:p>
+            <a:pPr lvl="2"/>
+            <a:r>
+              <a:rPr lang="en-US" dirty="0" smtClean="0"/>
+              <a:t>Extension is </a:t>
+            </a:r>
+            <a:r>
+              <a:rPr lang="en-US" b="1" dirty="0" smtClean="0"/>
+              <a:t>not</a:t>
+            </a:r>
+            <a:r>
+              <a:rPr lang="en-US" dirty="0" smtClean="0"/>
+              <a:t> a “dirty word” in FHIR</a:t>
+            </a:r>
+            <a:endParaRPr lang="en-US" dirty="0" smtClean="0"/>
           </a:p>
           <a:p>
             <a:pPr lvl="1"/>
@@ -10841,8 +10824,8 @@
         </p:blipFill>
         <p:spPr>
           <a:xfrm>
-            <a:off x="2201069" y="2286794"/>
-            <a:ext cx="5791200" cy="3076575"/>
+            <a:off x="1098036" y="1700808"/>
+            <a:ext cx="7997123" cy="4248472"/>
           </a:xfrm>
         </p:spPr>
       </p:pic>
@@ -13013,7 +12996,9 @@
         </p:nvSpPr>
         <p:spPr/>
         <p:txBody>
-          <a:bodyPr/>
+          <a:bodyPr>
+            <a:normAutofit/>
+          </a:bodyPr>
           <a:lstStyle/>
           <a:p>
             <a:r>
@@ -13040,7 +13025,33 @@
             </a:r>
             <a:r>
               <a:rPr lang="en-US" baseline="0" dirty="0" smtClean="0"/>
-              <a:t> but doesn’t scale in any sort of non-trusted environment, so REST approach will primarily make sense in limited cases</a:t>
+              <a:t> </a:t>
+            </a:r>
+            <a:r>
+              <a:rPr lang="en-US" baseline="0" dirty="0" smtClean="0"/>
+              <a:t>but, depending on technology stack may not scale </a:t>
+            </a:r>
+            <a:r>
+              <a:rPr lang="en-US" baseline="0" dirty="0" smtClean="0"/>
+              <a:t>in any sort of non-trusted </a:t>
+            </a:r>
+            <a:r>
+              <a:rPr lang="en-US" baseline="0" dirty="0" smtClean="0"/>
+              <a:t>environment</a:t>
+            </a:r>
+          </a:p>
+          <a:p>
+            <a:pPr lvl="1"/>
+            <a:r>
+              <a:rPr lang="en-US" dirty="0" smtClean="0"/>
+              <a:t>Whether REST makes sense will depend on implementation environment</a:t>
+            </a:r>
+          </a:p>
+          <a:p>
+            <a:pPr lvl="1"/>
+            <a:r>
+              <a:rPr lang="en-US" dirty="0" smtClean="0"/>
+              <a:t>Don’t need REST to use FHIR</a:t>
             </a:r>
             <a:endParaRPr lang="en-US" dirty="0" smtClean="0"/>
           </a:p>
@@ -13122,7 +13133,9 @@
         </p:nvSpPr>
         <p:spPr/>
         <p:txBody>
-          <a:bodyPr/>
+          <a:bodyPr>
+            <a:normAutofit fontScale="85000" lnSpcReduction="10000"/>
+          </a:bodyPr>
           <a:lstStyle/>
           <a:p>
             <a:r>
@@ -13172,8 +13185,20 @@
             <a:pPr lvl="0"/>
             <a:r>
               <a:rPr lang="en-US" dirty="0" smtClean="0"/>
-              <a:t>When faced with a use-case, do we use documents, messages, services or REST?</a:t>
-            </a:r>
+              <a:t>When faced with a use-case, do we use documents, messages, services or REST</a:t>
+            </a:r>
+            <a:r>
+              <a:rPr lang="en-US" dirty="0" smtClean="0"/>
+              <a:t>?</a:t>
+            </a:r>
+          </a:p>
+          <a:p>
+            <a:pPr lvl="1"/>
+            <a:r>
+              <a:rPr lang="en-US" dirty="0" smtClean="0"/>
+              <a:t>Can do all of the above, but multiple solutions could have interoperability consequences</a:t>
+            </a:r>
+            <a:endParaRPr lang="en-US" dirty="0" smtClean="0"/>
           </a:p>
         </p:txBody>
       </p:sp>
@@ -14330,7 +14355,29 @@
             <a:pPr lvl="1"/>
             <a:r>
               <a:rPr lang="en-CA" dirty="0" smtClean="0"/>
-              <a:t>Others TBA</a:t>
+              <a:t>Others </a:t>
+            </a:r>
+            <a:r>
+              <a:rPr lang="en-CA" dirty="0" smtClean="0"/>
+              <a:t>TBA</a:t>
+            </a:r>
+          </a:p>
+          <a:p>
+            <a:pPr lvl="2"/>
+            <a:r>
+              <a:rPr lang="en-US" dirty="0" smtClean="0"/>
+              <a:t>Refer to Grahame’s blog:</a:t>
+            </a:r>
+          </a:p>
+          <a:p>
+            <a:pPr lvl="2"/>
+            <a:r>
+              <a:rPr lang="en-CA" dirty="0"/>
+              <a:t>http://</a:t>
+            </a:r>
+            <a:r>
+              <a:rPr lang="en-CA" dirty="0" smtClean="0"/>
+              <a:t>www.healthintersections.com.au</a:t>
             </a:r>
             <a:endParaRPr lang="en-CA" dirty="0"/>
           </a:p>
@@ -14506,6 +14553,670 @@
 </p:sld>
 </file>
 
+<file path=ppt/slides/slide73.xml><?xml version="1.0" encoding="utf-8"?>
+<p:sld xmlns:a="http://schemas.openxmlformats.org/drawingml/2006/main" xmlns:r="http://schemas.openxmlformats.org/officeDocument/2006/relationships" xmlns:p="http://schemas.openxmlformats.org/presentationml/2006/main">
+  <p:cSld>
+    <p:spTree>
+      <p:nvGrpSpPr>
+        <p:cNvPr id="1" name=""/>
+        <p:cNvGrpSpPr/>
+        <p:nvPr/>
+      </p:nvGrpSpPr>
+      <p:grpSpPr>
+        <a:xfrm>
+          <a:off x="0" y="0"/>
+          <a:ext cx="0" cy="0"/>
+          <a:chOff x="0" y="0"/>
+          <a:chExt cx="0" cy="0"/>
+        </a:xfrm>
+      </p:grpSpPr>
+      <p:sp>
+        <p:nvSpPr>
+          <p:cNvPr id="5" name="Title 4"/>
+          <p:cNvSpPr>
+            <a:spLocks noGrp="1"/>
+          </p:cNvSpPr>
+          <p:nvPr>
+            <p:ph type="title"/>
+          </p:nvPr>
+        </p:nvSpPr>
+        <p:spPr/>
+        <p:txBody>
+          <a:bodyPr/>
+          <a:lstStyle/>
+          <a:p>
+            <a:r>
+              <a:rPr lang="en-US" dirty="0" smtClean="0"/>
+              <a:t>Questions &amp; Answers</a:t>
+            </a:r>
+            <a:endParaRPr lang="en-CA" dirty="0"/>
+          </a:p>
+        </p:txBody>
+      </p:sp>
+    </p:spTree>
+    <p:extLst>
+      <p:ext uri="{BB962C8B-B14F-4D97-AF65-F5344CB8AC3E}">
+        <p14:creationId xmlns:p14="http://schemas.microsoft.com/office/powerpoint/2010/main" val="2102012276"/>
+      </p:ext>
+    </p:extLst>
+  </p:cSld>
+  <p:clrMapOvr>
+    <a:masterClrMapping/>
+  </p:clrMapOvr>
+  <p:timing>
+    <p:tnLst>
+      <p:par>
+        <p:cTn id="1" dur="indefinite" restart="never" nodeType="tmRoot"/>
+      </p:par>
+    </p:tnLst>
+  </p:timing>
+</p:sld>
+</file>
+
+<file path=ppt/slides/slide74.xml><?xml version="1.0" encoding="utf-8"?>
+<p:sld xmlns:a="http://schemas.openxmlformats.org/drawingml/2006/main" xmlns:r="http://schemas.openxmlformats.org/officeDocument/2006/relationships" xmlns:p="http://schemas.openxmlformats.org/presentationml/2006/main">
+  <p:cSld>
+    <p:spTree>
+      <p:nvGrpSpPr>
+        <p:cNvPr id="1" name=""/>
+        <p:cNvGrpSpPr/>
+        <p:nvPr/>
+      </p:nvGrpSpPr>
+      <p:grpSpPr>
+        <a:xfrm>
+          <a:off x="0" y="0"/>
+          <a:ext cx="0" cy="0"/>
+          <a:chOff x="0" y="0"/>
+          <a:chExt cx="0" cy="0"/>
+        </a:xfrm>
+      </p:grpSpPr>
+      <p:sp>
+        <p:nvSpPr>
+          <p:cNvPr id="2" name="Title 1"/>
+          <p:cNvSpPr>
+            <a:spLocks noGrp="1"/>
+          </p:cNvSpPr>
+          <p:nvPr>
+            <p:ph type="title"/>
+          </p:nvPr>
+        </p:nvSpPr>
+        <p:spPr/>
+        <p:txBody>
+          <a:bodyPr/>
+          <a:lstStyle/>
+          <a:p>
+            <a:r>
+              <a:rPr lang="en-US" dirty="0" smtClean="0"/>
+              <a:t>Q&amp;A</a:t>
+            </a:r>
+            <a:endParaRPr lang="en-CA" dirty="0"/>
+          </a:p>
+        </p:txBody>
+      </p:sp>
+      <p:sp>
+        <p:nvSpPr>
+          <p:cNvPr id="3" name="Text Placeholder 2"/>
+          <p:cNvSpPr>
+            <a:spLocks noGrp="1"/>
+          </p:cNvSpPr>
+          <p:nvPr>
+            <p:ph idx="1"/>
+          </p:nvPr>
+        </p:nvSpPr>
+        <p:spPr/>
+        <p:txBody>
+          <a:bodyPr/>
+          <a:lstStyle/>
+          <a:p>
+            <a:r>
+              <a:rPr lang="en-US" dirty="0" smtClean="0"/>
+              <a:t>The</a:t>
+            </a:r>
+            <a:r>
+              <a:rPr lang="en-US" baseline="0" dirty="0" smtClean="0"/>
+              <a:t> following slides were not part of the tutorial presentation, but summarize questions asked during or following the presentation.</a:t>
+            </a:r>
+          </a:p>
+          <a:p>
+            <a:pPr lvl="1"/>
+            <a:r>
+              <a:rPr lang="en-US" dirty="0" smtClean="0"/>
+              <a:t>Note: Some comments were applied directly as updates to slides</a:t>
+            </a:r>
+            <a:r>
+              <a:rPr lang="en-US" baseline="0" dirty="0" smtClean="0"/>
+              <a:t> rather than included in this section</a:t>
+            </a:r>
+            <a:endParaRPr lang="en-CA" dirty="0"/>
+          </a:p>
+        </p:txBody>
+      </p:sp>
+    </p:spTree>
+    <p:extLst>
+      <p:ext uri="{BB962C8B-B14F-4D97-AF65-F5344CB8AC3E}">
+        <p14:creationId xmlns:p14="http://schemas.microsoft.com/office/powerpoint/2010/main" val="1303520439"/>
+      </p:ext>
+    </p:extLst>
+  </p:cSld>
+  <p:clrMapOvr>
+    <a:masterClrMapping/>
+  </p:clrMapOvr>
+</p:sld>
+</file>
+
+<file path=ppt/slides/slide75.xml><?xml version="1.0" encoding="utf-8"?>
+<p:sld xmlns:a="http://schemas.openxmlformats.org/drawingml/2006/main" xmlns:r="http://schemas.openxmlformats.org/officeDocument/2006/relationships" xmlns:p="http://schemas.openxmlformats.org/presentationml/2006/main">
+  <p:cSld>
+    <p:spTree>
+      <p:nvGrpSpPr>
+        <p:cNvPr id="1" name=""/>
+        <p:cNvGrpSpPr/>
+        <p:nvPr/>
+      </p:nvGrpSpPr>
+      <p:grpSpPr>
+        <a:xfrm>
+          <a:off x="0" y="0"/>
+          <a:ext cx="0" cy="0"/>
+          <a:chOff x="0" y="0"/>
+          <a:chExt cx="0" cy="0"/>
+        </a:xfrm>
+      </p:grpSpPr>
+      <p:sp>
+        <p:nvSpPr>
+          <p:cNvPr id="2" name="Title 1"/>
+          <p:cNvSpPr>
+            <a:spLocks noGrp="1"/>
+          </p:cNvSpPr>
+          <p:nvPr>
+            <p:ph type="title"/>
+          </p:nvPr>
+        </p:nvSpPr>
+        <p:spPr/>
+        <p:txBody>
+          <a:bodyPr/>
+          <a:lstStyle/>
+          <a:p>
+            <a:r>
+              <a:rPr lang="en-US" dirty="0" smtClean="0"/>
+              <a:t>Q&amp;A</a:t>
+            </a:r>
+            <a:endParaRPr lang="en-CA" dirty="0"/>
+          </a:p>
+        </p:txBody>
+      </p:sp>
+      <p:sp>
+        <p:nvSpPr>
+          <p:cNvPr id="3" name="Content Placeholder 2"/>
+          <p:cNvSpPr>
+            <a:spLocks noGrp="1"/>
+          </p:cNvSpPr>
+          <p:nvPr>
+            <p:ph idx="1"/>
+          </p:nvPr>
+        </p:nvSpPr>
+        <p:spPr/>
+        <p:txBody>
+          <a:bodyPr/>
+          <a:lstStyle/>
+          <a:p>
+            <a:r>
+              <a:rPr lang="en-US" dirty="0" smtClean="0"/>
+              <a:t>Is there an automatable conversion from v3 to FHIR?</a:t>
+            </a:r>
+          </a:p>
+          <a:p>
+            <a:pPr lvl="1"/>
+            <a:r>
+              <a:rPr lang="en-US" dirty="0" smtClean="0"/>
+              <a:t>No.  Design process &amp; though process is different and requires human intervention</a:t>
+            </a:r>
+          </a:p>
+          <a:p>
+            <a:pPr lvl="1"/>
+            <a:r>
+              <a:rPr lang="en-US" dirty="0" smtClean="0"/>
+              <a:t>Once FHIR resource design is complete, possible to transform between FHIR and RMIMs if desired</a:t>
+            </a:r>
+          </a:p>
+          <a:p>
+            <a:r>
+              <a:rPr lang="en-US" dirty="0" smtClean="0"/>
+              <a:t>Will you create a template PSS for committees looking at doing FHIR resources?</a:t>
+            </a:r>
+          </a:p>
+          <a:p>
+            <a:pPr lvl="1"/>
+            <a:r>
+              <a:rPr lang="en-US" dirty="0" smtClean="0"/>
+              <a:t>Yes</a:t>
+            </a:r>
+            <a:endParaRPr lang="en-CA" dirty="0"/>
+          </a:p>
+        </p:txBody>
+      </p:sp>
+    </p:spTree>
+    <p:extLst>
+      <p:ext uri="{BB962C8B-B14F-4D97-AF65-F5344CB8AC3E}">
+        <p14:creationId xmlns:p14="http://schemas.microsoft.com/office/powerpoint/2010/main" val="2727525016"/>
+      </p:ext>
+    </p:extLst>
+  </p:cSld>
+  <p:clrMapOvr>
+    <a:masterClrMapping/>
+  </p:clrMapOvr>
+</p:sld>
+</file>
+
+<file path=ppt/slides/slide76.xml><?xml version="1.0" encoding="utf-8"?>
+<p:sld xmlns:a="http://schemas.openxmlformats.org/drawingml/2006/main" xmlns:r="http://schemas.openxmlformats.org/officeDocument/2006/relationships" xmlns:p="http://schemas.openxmlformats.org/presentationml/2006/main">
+  <p:cSld>
+    <p:spTree>
+      <p:nvGrpSpPr>
+        <p:cNvPr id="1" name=""/>
+        <p:cNvGrpSpPr/>
+        <p:nvPr/>
+      </p:nvGrpSpPr>
+      <p:grpSpPr>
+        <a:xfrm>
+          <a:off x="0" y="0"/>
+          <a:ext cx="0" cy="0"/>
+          <a:chOff x="0" y="0"/>
+          <a:chExt cx="0" cy="0"/>
+        </a:xfrm>
+      </p:grpSpPr>
+      <p:sp>
+        <p:nvSpPr>
+          <p:cNvPr id="2" name="Title 1"/>
+          <p:cNvSpPr>
+            <a:spLocks noGrp="1"/>
+          </p:cNvSpPr>
+          <p:nvPr>
+            <p:ph type="title"/>
+          </p:nvPr>
+        </p:nvSpPr>
+        <p:spPr/>
+        <p:txBody>
+          <a:bodyPr/>
+          <a:lstStyle/>
+          <a:p>
+            <a:r>
+              <a:rPr lang="en-US" dirty="0" smtClean="0"/>
+              <a:t>Q&amp;A</a:t>
+            </a:r>
+            <a:endParaRPr lang="en-CA" dirty="0"/>
+          </a:p>
+        </p:txBody>
+      </p:sp>
+      <p:sp>
+        <p:nvSpPr>
+          <p:cNvPr id="3" name="Content Placeholder 2"/>
+          <p:cNvSpPr>
+            <a:spLocks noGrp="1"/>
+          </p:cNvSpPr>
+          <p:nvPr>
+            <p:ph idx="1"/>
+          </p:nvPr>
+        </p:nvSpPr>
+        <p:spPr/>
+        <p:txBody>
+          <a:bodyPr/>
+          <a:lstStyle/>
+          <a:p>
+            <a:r>
+              <a:rPr lang="en-US" dirty="0" smtClean="0"/>
+              <a:t>What’s the timeline?</a:t>
+            </a:r>
+          </a:p>
+          <a:p>
+            <a:pPr lvl="1"/>
+            <a:r>
+              <a:rPr lang="en-US" dirty="0" smtClean="0"/>
+              <a:t>Initial methodology ballot this summer</a:t>
+            </a:r>
+          </a:p>
+          <a:p>
+            <a:pPr lvl="1"/>
+            <a:r>
+              <a:rPr lang="en-US" dirty="0" smtClean="0"/>
+              <a:t>DSTU first ballot of initial set of resources this fall</a:t>
+            </a:r>
+          </a:p>
+          <a:p>
+            <a:pPr lvl="1"/>
+            <a:r>
+              <a:rPr lang="en-US" dirty="0" smtClean="0"/>
+              <a:t>In theory could be done DSTU of implementable chunk of FHIR in 2 years</a:t>
+            </a:r>
+          </a:p>
+          <a:p>
+            <a:pPr lvl="1"/>
+            <a:r>
+              <a:rPr lang="en-US" dirty="0" smtClean="0"/>
+              <a:t>In practice, dependent on work of committees</a:t>
+            </a:r>
+          </a:p>
+        </p:txBody>
+      </p:sp>
+    </p:spTree>
+    <p:extLst>
+      <p:ext uri="{BB962C8B-B14F-4D97-AF65-F5344CB8AC3E}">
+        <p14:creationId xmlns:p14="http://schemas.microsoft.com/office/powerpoint/2010/main" val="3703939442"/>
+      </p:ext>
+    </p:extLst>
+  </p:cSld>
+  <p:clrMapOvr>
+    <a:masterClrMapping/>
+  </p:clrMapOvr>
+</p:sld>
+</file>
+
+<file path=ppt/slides/slide77.xml><?xml version="1.0" encoding="utf-8"?>
+<p:sld xmlns:a="http://schemas.openxmlformats.org/drawingml/2006/main" xmlns:r="http://schemas.openxmlformats.org/officeDocument/2006/relationships" xmlns:p="http://schemas.openxmlformats.org/presentationml/2006/main">
+  <p:cSld>
+    <p:spTree>
+      <p:nvGrpSpPr>
+        <p:cNvPr id="1" name=""/>
+        <p:cNvGrpSpPr/>
+        <p:nvPr/>
+      </p:nvGrpSpPr>
+      <p:grpSpPr>
+        <a:xfrm>
+          <a:off x="0" y="0"/>
+          <a:ext cx="0" cy="0"/>
+          <a:chOff x="0" y="0"/>
+          <a:chExt cx="0" cy="0"/>
+        </a:xfrm>
+      </p:grpSpPr>
+      <p:sp>
+        <p:nvSpPr>
+          <p:cNvPr id="2" name="Title 1"/>
+          <p:cNvSpPr>
+            <a:spLocks noGrp="1"/>
+          </p:cNvSpPr>
+          <p:nvPr>
+            <p:ph type="title"/>
+          </p:nvPr>
+        </p:nvSpPr>
+        <p:spPr/>
+        <p:txBody>
+          <a:bodyPr/>
+          <a:lstStyle/>
+          <a:p>
+            <a:r>
+              <a:rPr lang="en-US" dirty="0" smtClean="0"/>
+              <a:t>Q&amp;A</a:t>
+            </a:r>
+            <a:endParaRPr lang="en-CA" dirty="0"/>
+          </a:p>
+        </p:txBody>
+      </p:sp>
+      <p:sp>
+        <p:nvSpPr>
+          <p:cNvPr id="3" name="Content Placeholder 2"/>
+          <p:cNvSpPr>
+            <a:spLocks noGrp="1"/>
+          </p:cNvSpPr>
+          <p:nvPr>
+            <p:ph idx="1"/>
+          </p:nvPr>
+        </p:nvSpPr>
+        <p:spPr/>
+        <p:txBody>
+          <a:bodyPr>
+            <a:normAutofit fontScale="85000" lnSpcReduction="10000"/>
+          </a:bodyPr>
+          <a:lstStyle/>
+          <a:p>
+            <a:r>
+              <a:rPr lang="en-US" dirty="0" smtClean="0"/>
+              <a:t>What’s the overlap between FHIR and CIMI?</a:t>
+            </a:r>
+          </a:p>
+          <a:p>
+            <a:pPr lvl="1"/>
+            <a:r>
+              <a:rPr lang="en-CA" dirty="0" smtClean="0"/>
+              <a:t>Solving different problems, with different scopes, intents and organisational priorities</a:t>
+            </a:r>
+          </a:p>
+          <a:p>
+            <a:pPr lvl="1"/>
+            <a:r>
+              <a:rPr lang="en-CA" dirty="0" smtClean="0"/>
+              <a:t>They overlap. Many people, including the leads for CIMI and FHIR would like them to be consistent</a:t>
+            </a:r>
+          </a:p>
+          <a:p>
+            <a:pPr lvl="1"/>
+            <a:r>
+              <a:rPr lang="en-CA" dirty="0" smtClean="0"/>
+              <a:t>Don't know at this time what that would actually mean, and neither project is willing to wait for the other</a:t>
+            </a:r>
+          </a:p>
+          <a:p>
+            <a:pPr lvl="1"/>
+            <a:r>
+              <a:rPr lang="en-CA" dirty="0" smtClean="0"/>
+              <a:t>Will continue to have interaction and cross-pollination in the hope that this prevents the projects from becoming inconsistent</a:t>
+            </a:r>
+            <a:endParaRPr lang="en-US" dirty="0" smtClean="0"/>
+          </a:p>
+        </p:txBody>
+      </p:sp>
+    </p:spTree>
+    <p:extLst>
+      <p:ext uri="{BB962C8B-B14F-4D97-AF65-F5344CB8AC3E}">
+        <p14:creationId xmlns:p14="http://schemas.microsoft.com/office/powerpoint/2010/main" val="1862597174"/>
+      </p:ext>
+    </p:extLst>
+  </p:cSld>
+  <p:clrMapOvr>
+    <a:masterClrMapping/>
+  </p:clrMapOvr>
+</p:sld>
+</file>
+
+<file path=ppt/slides/slide78.xml><?xml version="1.0" encoding="utf-8"?>
+<p:sld xmlns:a="http://schemas.openxmlformats.org/drawingml/2006/main" xmlns:r="http://schemas.openxmlformats.org/officeDocument/2006/relationships" xmlns:p="http://schemas.openxmlformats.org/presentationml/2006/main">
+  <p:cSld>
+    <p:spTree>
+      <p:nvGrpSpPr>
+        <p:cNvPr id="1" name=""/>
+        <p:cNvGrpSpPr/>
+        <p:nvPr/>
+      </p:nvGrpSpPr>
+      <p:grpSpPr>
+        <a:xfrm>
+          <a:off x="0" y="0"/>
+          <a:ext cx="0" cy="0"/>
+          <a:chOff x="0" y="0"/>
+          <a:chExt cx="0" cy="0"/>
+        </a:xfrm>
+      </p:grpSpPr>
+      <p:sp>
+        <p:nvSpPr>
+          <p:cNvPr id="2" name="Title 1"/>
+          <p:cNvSpPr>
+            <a:spLocks noGrp="1"/>
+          </p:cNvSpPr>
+          <p:nvPr>
+            <p:ph type="title"/>
+          </p:nvPr>
+        </p:nvSpPr>
+        <p:spPr/>
+        <p:txBody>
+          <a:bodyPr/>
+          <a:lstStyle/>
+          <a:p>
+            <a:r>
+              <a:rPr lang="en-US" dirty="0" smtClean="0"/>
+              <a:t>Q&amp;A</a:t>
+            </a:r>
+            <a:endParaRPr lang="en-CA" dirty="0"/>
+          </a:p>
+        </p:txBody>
+      </p:sp>
+      <p:sp>
+        <p:nvSpPr>
+          <p:cNvPr id="3" name="Content Placeholder 2"/>
+          <p:cNvSpPr>
+            <a:spLocks noGrp="1"/>
+          </p:cNvSpPr>
+          <p:nvPr>
+            <p:ph idx="1"/>
+          </p:nvPr>
+        </p:nvSpPr>
+        <p:spPr/>
+        <p:txBody>
+          <a:bodyPr/>
+          <a:lstStyle/>
+          <a:p>
+            <a:r>
+              <a:rPr lang="en-US" dirty="0" smtClean="0"/>
+              <a:t>What’s the relationship between FHIR and CDA?</a:t>
+            </a:r>
+          </a:p>
+          <a:p>
+            <a:pPr lvl="1"/>
+            <a:r>
+              <a:rPr lang="en-US" dirty="0" smtClean="0"/>
+              <a:t>CDA can be expressed in FHIR</a:t>
+            </a:r>
+          </a:p>
+          <a:p>
+            <a:pPr lvl="1"/>
+            <a:r>
+              <a:rPr lang="en-US" dirty="0" smtClean="0"/>
+              <a:t>When/if that migration will happen will be</a:t>
+            </a:r>
+            <a:r>
+              <a:rPr lang="en-US" baseline="0" dirty="0" smtClean="0"/>
+              <a:t> up to Structured Docs (and possibly influenced by TSC)</a:t>
+            </a:r>
+          </a:p>
+          <a:p>
+            <a:pPr lvl="1"/>
+            <a:r>
+              <a:rPr lang="en-US" baseline="0" dirty="0" smtClean="0"/>
+              <a:t>For now, need to see how quickly FHIR moves </a:t>
+            </a:r>
+            <a:r>
+              <a:rPr lang="en-US" baseline="0" dirty="0" err="1" smtClean="0"/>
+              <a:t>wrt</a:t>
+            </a:r>
+            <a:r>
+              <a:rPr lang="en-US" baseline="0" dirty="0" smtClean="0"/>
+              <a:t> CDA R3</a:t>
+            </a:r>
+          </a:p>
+        </p:txBody>
+      </p:sp>
+    </p:spTree>
+    <p:extLst>
+      <p:ext uri="{BB962C8B-B14F-4D97-AF65-F5344CB8AC3E}">
+        <p14:creationId xmlns:p14="http://schemas.microsoft.com/office/powerpoint/2010/main" val="2227053097"/>
+      </p:ext>
+    </p:extLst>
+  </p:cSld>
+  <p:clrMapOvr>
+    <a:masterClrMapping/>
+  </p:clrMapOvr>
+</p:sld>
+</file>
+
+<file path=ppt/slides/slide79.xml><?xml version="1.0" encoding="utf-8"?>
+<p:sld xmlns:a="http://schemas.openxmlformats.org/drawingml/2006/main" xmlns:r="http://schemas.openxmlformats.org/officeDocument/2006/relationships" xmlns:p="http://schemas.openxmlformats.org/presentationml/2006/main">
+  <p:cSld>
+    <p:spTree>
+      <p:nvGrpSpPr>
+        <p:cNvPr id="1" name=""/>
+        <p:cNvGrpSpPr/>
+        <p:nvPr/>
+      </p:nvGrpSpPr>
+      <p:grpSpPr>
+        <a:xfrm>
+          <a:off x="0" y="0"/>
+          <a:ext cx="0" cy="0"/>
+          <a:chOff x="0" y="0"/>
+          <a:chExt cx="0" cy="0"/>
+        </a:xfrm>
+      </p:grpSpPr>
+      <p:sp>
+        <p:nvSpPr>
+          <p:cNvPr id="2" name="Title 1"/>
+          <p:cNvSpPr>
+            <a:spLocks noGrp="1"/>
+          </p:cNvSpPr>
+          <p:nvPr>
+            <p:ph type="title"/>
+          </p:nvPr>
+        </p:nvSpPr>
+        <p:spPr/>
+        <p:txBody>
+          <a:bodyPr/>
+          <a:lstStyle/>
+          <a:p>
+            <a:r>
+              <a:rPr lang="en-US" dirty="0" smtClean="0"/>
+              <a:t>Q&amp;A</a:t>
+            </a:r>
+            <a:endParaRPr lang="en-CA" dirty="0"/>
+          </a:p>
+        </p:txBody>
+      </p:sp>
+      <p:sp>
+        <p:nvSpPr>
+          <p:cNvPr id="3" name="Content Placeholder 2"/>
+          <p:cNvSpPr>
+            <a:spLocks noGrp="1"/>
+          </p:cNvSpPr>
+          <p:nvPr>
+            <p:ph idx="1"/>
+          </p:nvPr>
+        </p:nvSpPr>
+        <p:spPr/>
+        <p:txBody>
+          <a:bodyPr/>
+          <a:lstStyle/>
+          <a:p>
+            <a:r>
+              <a:rPr lang="en-US" dirty="0" smtClean="0"/>
+              <a:t>Can implementers start doing FHIR before it’s “official”?</a:t>
+            </a:r>
+          </a:p>
+          <a:p>
+            <a:pPr lvl="1"/>
+            <a:r>
+              <a:rPr lang="en-US" dirty="0" smtClean="0"/>
+              <a:t>Yes.</a:t>
+            </a:r>
+            <a:r>
+              <a:rPr lang="en-US" baseline="0" dirty="0" smtClean="0"/>
+              <a:t>  And some already are</a:t>
+            </a:r>
+          </a:p>
+          <a:p>
+            <a:pPr lvl="1"/>
+            <a:r>
+              <a:rPr lang="en-US" baseline="0" dirty="0" smtClean="0"/>
+              <a:t>Take the idea and run with it.  Try things.  But be aware that you can’t claim it’s “standard” and that retrofitting to become standard may be necessary later</a:t>
+            </a:r>
+          </a:p>
+        </p:txBody>
+      </p:sp>
+    </p:spTree>
+    <p:extLst>
+      <p:ext uri="{BB962C8B-B14F-4D97-AF65-F5344CB8AC3E}">
+        <p14:creationId xmlns:p14="http://schemas.microsoft.com/office/powerpoint/2010/main" val="2398184858"/>
+      </p:ext>
+    </p:extLst>
+  </p:cSld>
+  <p:clrMapOvr>
+    <a:masterClrMapping/>
+  </p:clrMapOvr>
+</p:sld>
+</file>
+
 <file path=ppt/slides/slide8.xml><?xml version="1.0" encoding="utf-8"?>
 <p:sld xmlns:a="http://schemas.openxmlformats.org/drawingml/2006/main" xmlns:r="http://schemas.openxmlformats.org/officeDocument/2006/relationships" xmlns:p="http://schemas.openxmlformats.org/presentationml/2006/main">
   <p:cSld>
@@ -14657,6 +15368,200 @@
     <p:extLst>
       <p:ext uri="{BB962C8B-B14F-4D97-AF65-F5344CB8AC3E}">
         <p14:creationId xmlns:p14="http://schemas.microsoft.com/office/powerpoint/2010/main" val="1467827887"/>
+      </p:ext>
+    </p:extLst>
+  </p:cSld>
+  <p:clrMapOvr>
+    <a:masterClrMapping/>
+  </p:clrMapOvr>
+</p:sld>
+</file>
+
+<file path=ppt/slides/slide80.xml><?xml version="1.0" encoding="utf-8"?>
+<p:sld xmlns:a="http://schemas.openxmlformats.org/drawingml/2006/main" xmlns:r="http://schemas.openxmlformats.org/officeDocument/2006/relationships" xmlns:p="http://schemas.openxmlformats.org/presentationml/2006/main">
+  <p:cSld>
+    <p:spTree>
+      <p:nvGrpSpPr>
+        <p:cNvPr id="1" name=""/>
+        <p:cNvGrpSpPr/>
+        <p:nvPr/>
+      </p:nvGrpSpPr>
+      <p:grpSpPr>
+        <a:xfrm>
+          <a:off x="0" y="0"/>
+          <a:ext cx="0" cy="0"/>
+          <a:chOff x="0" y="0"/>
+          <a:chExt cx="0" cy="0"/>
+        </a:xfrm>
+      </p:grpSpPr>
+      <p:sp>
+        <p:nvSpPr>
+          <p:cNvPr id="2" name="Title 1"/>
+          <p:cNvSpPr>
+            <a:spLocks noGrp="1"/>
+          </p:cNvSpPr>
+          <p:nvPr>
+            <p:ph type="title"/>
+          </p:nvPr>
+        </p:nvSpPr>
+        <p:spPr/>
+        <p:txBody>
+          <a:bodyPr/>
+          <a:lstStyle/>
+          <a:p>
+            <a:r>
+              <a:rPr lang="en-US" dirty="0" smtClean="0"/>
+              <a:t>Q&amp;A</a:t>
+            </a:r>
+            <a:endParaRPr lang="en-CA" dirty="0"/>
+          </a:p>
+        </p:txBody>
+      </p:sp>
+      <p:sp>
+        <p:nvSpPr>
+          <p:cNvPr id="3" name="Content Placeholder 2"/>
+          <p:cNvSpPr>
+            <a:spLocks noGrp="1"/>
+          </p:cNvSpPr>
+          <p:nvPr>
+            <p:ph idx="1"/>
+          </p:nvPr>
+        </p:nvSpPr>
+        <p:spPr/>
+        <p:txBody>
+          <a:bodyPr/>
+          <a:lstStyle/>
+          <a:p>
+            <a:r>
+              <a:rPr lang="en-US" dirty="0" smtClean="0"/>
+              <a:t>Are you really going to never move extensions into core?</a:t>
+            </a:r>
+          </a:p>
+          <a:p>
+            <a:pPr lvl="1"/>
+            <a:r>
+              <a:rPr lang="en-US" dirty="0" smtClean="0"/>
+              <a:t>Point</a:t>
+            </a:r>
+            <a:r>
+              <a:rPr lang="en-US" baseline="0" dirty="0" smtClean="0"/>
+              <a:t> of contention</a:t>
+            </a:r>
+          </a:p>
+          <a:p>
+            <a:pPr lvl="1"/>
+            <a:r>
+              <a:rPr lang="en-US" baseline="0" dirty="0" smtClean="0"/>
+              <a:t>Costs to doing so and not doing so</a:t>
+            </a:r>
+          </a:p>
+          <a:p>
+            <a:pPr lvl="1"/>
+            <a:r>
+              <a:rPr lang="en-US" baseline="0" dirty="0" smtClean="0"/>
+              <a:t>Even if we choose not to, creating a new replacement resource (e.g. Person2) is possible</a:t>
+            </a:r>
+          </a:p>
+          <a:p>
+            <a:pPr lvl="1"/>
+            <a:r>
+              <a:rPr lang="en-US" baseline="0" dirty="0" smtClean="0"/>
+              <a:t>Will revisit as we get closer to normative and have more implementer opinion</a:t>
+            </a:r>
+          </a:p>
+        </p:txBody>
+      </p:sp>
+    </p:spTree>
+    <p:extLst>
+      <p:ext uri="{BB962C8B-B14F-4D97-AF65-F5344CB8AC3E}">
+        <p14:creationId xmlns:p14="http://schemas.microsoft.com/office/powerpoint/2010/main" val="92409145"/>
+      </p:ext>
+    </p:extLst>
+  </p:cSld>
+  <p:clrMapOvr>
+    <a:masterClrMapping/>
+  </p:clrMapOvr>
+</p:sld>
+</file>
+
+<file path=ppt/slides/slide81.xml><?xml version="1.0" encoding="utf-8"?>
+<p:sld xmlns:a="http://schemas.openxmlformats.org/drawingml/2006/main" xmlns:r="http://schemas.openxmlformats.org/officeDocument/2006/relationships" xmlns:p="http://schemas.openxmlformats.org/presentationml/2006/main">
+  <p:cSld>
+    <p:spTree>
+      <p:nvGrpSpPr>
+        <p:cNvPr id="1" name=""/>
+        <p:cNvGrpSpPr/>
+        <p:nvPr/>
+      </p:nvGrpSpPr>
+      <p:grpSpPr>
+        <a:xfrm>
+          <a:off x="0" y="0"/>
+          <a:ext cx="0" cy="0"/>
+          <a:chOff x="0" y="0"/>
+          <a:chExt cx="0" cy="0"/>
+        </a:xfrm>
+      </p:grpSpPr>
+      <p:sp>
+        <p:nvSpPr>
+          <p:cNvPr id="2" name="Title 1"/>
+          <p:cNvSpPr>
+            <a:spLocks noGrp="1"/>
+          </p:cNvSpPr>
+          <p:nvPr>
+            <p:ph type="title"/>
+          </p:nvPr>
+        </p:nvSpPr>
+        <p:spPr/>
+        <p:txBody>
+          <a:bodyPr/>
+          <a:lstStyle/>
+          <a:p>
+            <a:r>
+              <a:rPr lang="en-US" dirty="0" smtClean="0"/>
+              <a:t>Q&amp;A</a:t>
+            </a:r>
+            <a:endParaRPr lang="en-CA" dirty="0"/>
+          </a:p>
+        </p:txBody>
+      </p:sp>
+      <p:sp>
+        <p:nvSpPr>
+          <p:cNvPr id="3" name="Content Placeholder 2"/>
+          <p:cNvSpPr>
+            <a:spLocks noGrp="1"/>
+          </p:cNvSpPr>
+          <p:nvPr>
+            <p:ph idx="1"/>
+          </p:nvPr>
+        </p:nvSpPr>
+        <p:spPr/>
+        <p:txBody>
+          <a:bodyPr/>
+          <a:lstStyle/>
+          <a:p>
+            <a:r>
+              <a:rPr lang="en-US" dirty="0" smtClean="0"/>
+              <a:t>Is FHIR compatible with the NIEM?</a:t>
+            </a:r>
+          </a:p>
+          <a:p>
+            <a:pPr lvl="1"/>
+            <a:r>
+              <a:rPr lang="en-US" dirty="0" smtClean="0"/>
+              <a:t>That will be one of the source models resources will be designed</a:t>
+            </a:r>
+            <a:r>
+              <a:rPr lang="en-US" baseline="0" dirty="0" smtClean="0"/>
+              <a:t> taking into consideration.</a:t>
+            </a:r>
+            <a:endParaRPr lang="en-CA" dirty="0"/>
+          </a:p>
+        </p:txBody>
+      </p:sp>
+    </p:spTree>
+    <p:extLst>
+      <p:ext uri="{BB962C8B-B14F-4D97-AF65-F5344CB8AC3E}">
+        <p14:creationId xmlns:p14="http://schemas.microsoft.com/office/powerpoint/2010/main" val="444479207"/>
       </p:ext>
     </p:extLst>
   </p:cSld>
